--- a/Presentation Template - Task 1 - Mark Coty.pptx
+++ b/Presentation Template - Task 1 - Mark Coty.pptx
@@ -244,7 +244,7 @@
   </p:defaultTextStyle>
   <p:extLst>
     <p:ext uri="GoogleSlidesCustomDataVersion2">
-      <go:slidesCustomData xmlns:go="http://customooxmlschemas.google.com/" r:id="rId7" roundtripDataSignature="AMtx7mhiBjr0FOjGzSJ/xPMO2fh/d+oIUA=="/>
+      <go:slidesCustomData xmlns:go="http://customooxmlschemas.google.com/" r:id="rId7" roundtripDataSignature="AMtx7mhS21whQzaY3bp/O3AOUQRQeAC6LA=="/>
     </p:ext>
   </p:extLst>
 </p:presentation>
@@ -11427,6 +11427,76 @@
           </a:ln>
         </p:spPr>
       </p:pic>
+      <p:sp>
+        <p:nvSpPr>
+          <p:cNvPr id="100" name="Google Shape;100;p2"/>
+          <p:cNvSpPr txBox="1"/>
+          <p:nvPr/>
+        </p:nvSpPr>
+        <p:spPr>
+          <a:xfrm>
+            <a:off x="5043800" y="1726038"/>
+            <a:ext cx="5741700" cy="585000"/>
+          </a:xfrm>
+          <a:prstGeom prst="rect">
+            <a:avLst/>
+          </a:prstGeom>
+          <a:noFill/>
+          <a:ln>
+            <a:noFill/>
+          </a:ln>
+        </p:spPr>
+        <p:txBody>
+          <a:bodyPr anchorCtr="0" anchor="t" bIns="91425" lIns="91425" spcFirstLastPara="1" rIns="91425" wrap="square" tIns="91425">
+            <a:spAutoFit/>
+          </a:bodyPr>
+          <a:lstStyle/>
+          <a:p>
+            <a:pPr indent="0" lvl="0" marL="0" rtl="0" algn="ctr">
+              <a:spcBef>
+                <a:spcPts val="0"/>
+              </a:spcBef>
+              <a:spcAft>
+                <a:spcPts val="0"/>
+              </a:spcAft>
+              <a:buNone/>
+            </a:pPr>
+            <a:r>
+              <a:rPr b="1" lang="en-GB" sz="1300">
+                <a:solidFill>
+                  <a:schemeClr val="dk1"/>
+                </a:solidFill>
+                <a:latin typeface="Calibri"/>
+                <a:ea typeface="Calibri"/>
+                <a:cs typeface="Calibri"/>
+                <a:sym typeface="Calibri"/>
+              </a:rPr>
+              <a:t>Sentiment</a:t>
+            </a:r>
+            <a:r>
+              <a:rPr lang="en-GB" sz="1300">
+                <a:solidFill>
+                  <a:schemeClr val="dk1"/>
+                </a:solidFill>
+                <a:latin typeface="Calibri"/>
+                <a:ea typeface="Calibri"/>
+                <a:cs typeface="Calibri"/>
+                <a:sym typeface="Calibri"/>
+              </a:rPr>
+              <a:t> measures the intensity of the passenger’s review, ranging from -1 (strongly negative) to 1 (strongly positive).</a:t>
+            </a:r>
+            <a:endParaRPr sz="1300">
+              <a:solidFill>
+                <a:schemeClr val="dk1"/>
+              </a:solidFill>
+              <a:latin typeface="Calibri"/>
+              <a:ea typeface="Calibri"/>
+              <a:cs typeface="Calibri"/>
+              <a:sym typeface="Calibri"/>
+            </a:endParaRPr>
+          </a:p>
+        </p:txBody>
+      </p:sp>
     </p:spTree>
   </p:cSld>
   <p:clrMapOvr>
